--- a/преза_Project_D_v2.pptx
+++ b/преза_Project_D_v2.pptx
@@ -13,11 +13,11 @@
     <p:sldId id="416" r:id="rId7"/>
     <p:sldId id="417" r:id="rId8"/>
     <p:sldId id="411" r:id="rId9"/>
-    <p:sldId id="412" r:id="rId10"/>
-    <p:sldId id="413" r:id="rId11"/>
-    <p:sldId id="415" r:id="rId12"/>
-    <p:sldId id="408" r:id="rId13"/>
-    <p:sldId id="409" r:id="rId14"/>
+    <p:sldId id="418" r:id="rId10"/>
+    <p:sldId id="412" r:id="rId11"/>
+    <p:sldId id="419" r:id="rId12"/>
+    <p:sldId id="413" r:id="rId13"/>
+    <p:sldId id="415" r:id="rId14"/>
   </p:sldIdLst>
   <p:sldSz cx="10656888" cy="5994400"/>
   <p:notesSz cx="6797675" cy="9926638"/>
@@ -620,6 +620,91 @@
 </p:notes>
 </file>
 
+<file path=ppt/notesSlides/notesSlide10.xml><?xml version="1.0" encoding="utf-8"?>
+<p:notes xmlns:a="http://schemas.openxmlformats.org/drawingml/2006/main" xmlns:r="http://schemas.openxmlformats.org/officeDocument/2006/relationships" xmlns:p="http://schemas.openxmlformats.org/presentationml/2006/main">
+  <p:cSld>
+    <p:spTree>
+      <p:nvGrpSpPr>
+        <p:cNvPr id="1" name=""/>
+        <p:cNvGrpSpPr/>
+        <p:nvPr/>
+      </p:nvGrpSpPr>
+      <p:grpSpPr>
+        <a:xfrm>
+          <a:off x="0" y="0"/>
+          <a:ext cx="0" cy="0"/>
+          <a:chOff x="0" y="0"/>
+          <a:chExt cx="0" cy="0"/>
+        </a:xfrm>
+      </p:grpSpPr>
+      <p:sp>
+        <p:nvSpPr>
+          <p:cNvPr id="2" name="Образ слайда 1"/>
+          <p:cNvSpPr>
+            <a:spLocks noGrp="1" noRot="1" noChangeAspect="1"/>
+          </p:cNvSpPr>
+          <p:nvPr>
+            <p:ph type="sldImg"/>
+          </p:nvPr>
+        </p:nvSpPr>
+        <p:spPr/>
+      </p:sp>
+      <p:sp>
+        <p:nvSpPr>
+          <p:cNvPr id="3" name="Заметки 2"/>
+          <p:cNvSpPr>
+            <a:spLocks noGrp="1"/>
+          </p:cNvSpPr>
+          <p:nvPr>
+            <p:ph type="body" idx="1"/>
+          </p:nvPr>
+        </p:nvSpPr>
+        <p:spPr/>
+        <p:txBody>
+          <a:bodyPr/>
+          <a:lstStyle/>
+          <a:p>
+            <a:endParaRPr lang="ru-RU" dirty="0"/>
+          </a:p>
+        </p:txBody>
+      </p:sp>
+      <p:sp>
+        <p:nvSpPr>
+          <p:cNvPr id="4" name="Номер слайда 3"/>
+          <p:cNvSpPr>
+            <a:spLocks noGrp="1"/>
+          </p:cNvSpPr>
+          <p:nvPr>
+            <p:ph type="sldNum" sz="quarter" idx="10"/>
+          </p:nvPr>
+        </p:nvSpPr>
+        <p:spPr/>
+        <p:txBody>
+          <a:bodyPr/>
+          <a:lstStyle/>
+          <a:p>
+            <a:fld id="{FC3E18DF-29F7-467D-AE61-24A211DADF20}" type="slidenum">
+              <a:rPr lang="en-US" smtClean="0"/>
+              <a:pPr/>
+              <a:t>10</a:t>
+            </a:fld>
+            <a:endParaRPr lang="en-US"/>
+          </a:p>
+        </p:txBody>
+      </p:sp>
+    </p:spTree>
+    <p:extLst>
+      <p:ext uri="{BB962C8B-B14F-4D97-AF65-F5344CB8AC3E}">
+        <p14:creationId xmlns:p14="http://schemas.microsoft.com/office/powerpoint/2010/main" val="743209513"/>
+      </p:ext>
+    </p:extLst>
+  </p:cSld>
+  <p:clrMapOvr>
+    <a:masterClrMapping/>
+  </p:clrMapOvr>
+</p:notes>
+</file>
+
 <file path=ppt/notesSlides/notesSlide2.xml><?xml version="1.0" encoding="utf-8"?>
 <p:notes xmlns:a="http://schemas.openxmlformats.org/drawingml/2006/main" xmlns:r="http://schemas.openxmlformats.org/officeDocument/2006/relationships" xmlns:p="http://schemas.openxmlformats.org/presentationml/2006/main">
   <p:cSld>
@@ -856,7 +941,7 @@
             </a:r>
             <a:r>
               <a:rPr lang="ru-RU" baseline="0" dirty="0" smtClean="0"/>
-              <a:t> перечисляем сколько всего у нас есть в языке и говорим что на нём действительно можно писать нормальные программы</a:t>
+              <a:t> перечисляем сколько всего у нас много есть в языке и говорим что на нём действительно можно писать нормальные программы</a:t>
             </a:r>
             <a:endParaRPr lang="ru-RU" dirty="0"/>
           </a:p>
@@ -941,168 +1026,123 @@
         <p:spPr/>
         <p:txBody>
           <a:bodyPr>
-            <a:normAutofit fontScale="85000" lnSpcReduction="20000"/>
+            <a:normAutofit lnSpcReduction="10000"/>
           </a:bodyPr>
           <a:lstStyle/>
           <a:p>
             <a:r>
-              <a:rPr lang="ru-RU" dirty="0"/>
-              <a:t>Перед тем, как приступить к работе, перед нами стоял выбор</a:t>
-            </a:r>
-            <a:r>
-              <a:rPr lang="en-US" dirty="0"/>
-              <a:t>: </a:t>
-            </a:r>
-            <a:r>
-              <a:rPr lang="ru-RU" dirty="0"/>
-              <a:t>писать парсер вручную или использовать </a:t>
-            </a:r>
-            <a:r>
-              <a:rPr lang="en-US" dirty="0"/>
-              <a:t>flex/bison. </a:t>
-            </a:r>
-            <a:r>
-              <a:rPr lang="ru-RU" dirty="0"/>
-              <a:t>Посовещавшись, мы пришли к выводу, что использование </a:t>
-            </a:r>
-            <a:r>
-              <a:rPr lang="en-US" dirty="0"/>
-              <a:t>flex/bison</a:t>
-            </a:r>
-            <a:r>
-              <a:rPr lang="ru-RU" dirty="0"/>
-              <a:t> больше подходит для нас, так как мы посчитали, что этот способ быстрее, а времени на проект у нас не очень много и лучше будет его потратить на что </a:t>
-            </a:r>
-            <a:r>
-              <a:rPr lang="ru-RU" dirty="0" err="1"/>
-              <a:t>нибудь</a:t>
-            </a:r>
-            <a:r>
-              <a:rPr lang="ru-RU" dirty="0"/>
-              <a:t> другое + интересно было изучить утилиту такого рода. (Оглядываясь назад – это было правильным решением, времени действительно не хватало). В итоге получение</a:t>
-            </a:r>
-            <a:r>
-              <a:rPr lang="ru-RU" baseline="0" dirty="0"/>
-              <a:t> анализаторов не заняло у нас большого количества времени. Мой коллега *имя* в достаточно быстрый срок сделал </a:t>
-            </a:r>
-            <a:r>
-              <a:rPr lang="en-US" baseline="0" dirty="0"/>
-              <a:t>flex </a:t>
-            </a:r>
-            <a:r>
-              <a:rPr lang="ru-RU" baseline="0" dirty="0"/>
-              <a:t>и </a:t>
-            </a:r>
-            <a:r>
-              <a:rPr lang="en-US" baseline="0" dirty="0"/>
-              <a:t>bison </a:t>
-            </a:r>
-            <a:r>
-              <a:rPr lang="ru-RU" baseline="0" dirty="0"/>
-              <a:t>файлы с данными нам описаниями грамматики. *передаем слово*</a:t>
-            </a:r>
-            <a:br>
-              <a:rPr lang="ru-RU" baseline="0" dirty="0"/>
-            </a:br>
-            <a:r>
-              <a:rPr lang="ru-RU" baseline="0" dirty="0"/>
-              <a:t>Самая большая проблема была в ссылках, правильном раскрытие списков аргументов (</a:t>
-            </a:r>
-            <a:r>
-              <a:rPr lang="en-US" baseline="0" dirty="0" err="1"/>
-              <a:t>statement_list</a:t>
-            </a:r>
-            <a:r>
-              <a:rPr lang="en-US" baseline="0" dirty="0"/>
-              <a:t> etc…)</a:t>
-            </a:r>
-            <a:r>
-              <a:rPr lang="ru-RU" baseline="0" dirty="0"/>
-              <a:t>. Ну и безусловно в уменьшении количества ошибок типа </a:t>
-            </a:r>
-            <a:r>
-              <a:rPr lang="en-US" baseline="0" dirty="0"/>
-              <a:t>shift/reduce</a:t>
-            </a:r>
-            <a:r>
-              <a:rPr lang="ru-RU" baseline="0" dirty="0"/>
-              <a:t>. </a:t>
-            </a:r>
-            <a:r>
-              <a:rPr lang="en-US" baseline="0" dirty="0"/>
-              <a:t>*</a:t>
-            </a:r>
-            <a:r>
-              <a:rPr lang="ru-RU" baseline="0" dirty="0"/>
-              <a:t>возможно рассказать про баги/интересные моменты правки*.</a:t>
-            </a:r>
-          </a:p>
-          <a:p>
-            <a:r>
-              <a:rPr lang="ru-RU" baseline="0" dirty="0"/>
-              <a:t>Следующим шагом было создание дерева абстрактного синтаксиса. Этот шаг и шаг написания </a:t>
-            </a:r>
-            <a:r>
-              <a:rPr lang="ru-RU" baseline="0" dirty="0" err="1"/>
-              <a:t>визитора</a:t>
-            </a:r>
-            <a:r>
-              <a:rPr lang="ru-RU" baseline="0" dirty="0"/>
-              <a:t> у нас был един и принимали в нем участие все участники команды, с миру по нитке. На этой стадии мы начинали с простых шагов, литералов в частности, переходя к более сложным управляющим конструкциям, и наконец переходя к самому сложному для нас - функциональным типам и таблице символов. Ну и соответственно это все было одновременно с выполнением этих входящих узлов в </a:t>
-            </a:r>
-            <a:r>
-              <a:rPr lang="ru-RU" baseline="0" dirty="0" err="1"/>
-              <a:t>визиторе</a:t>
-            </a:r>
-            <a:r>
-              <a:rPr lang="ru-RU" baseline="0" dirty="0"/>
-              <a:t>. Итак, переходя к результатам. *след. Слайд*</a:t>
-            </a:r>
-            <a:br>
-              <a:rPr lang="ru-RU" baseline="0" dirty="0"/>
-            </a:br>
-            <a:r>
-              <a:rPr lang="ru-RU" baseline="0" dirty="0"/>
-              <a:t/>
-            </a:r>
-            <a:br>
-              <a:rPr lang="ru-RU" baseline="0" dirty="0"/>
-            </a:br>
-            <a:r>
-              <a:rPr lang="en-US" baseline="0" dirty="0"/>
-              <a:t>// </a:t>
-            </a:r>
-            <a:r>
-              <a:rPr lang="ru-RU" baseline="0" dirty="0"/>
-              <a:t>ИМХО, здесь</a:t>
-            </a:r>
-            <a:r>
-              <a:rPr lang="en-US" baseline="0" dirty="0"/>
-              <a:t> </a:t>
-            </a:r>
-            <a:r>
-              <a:rPr lang="ru-RU" baseline="0" dirty="0"/>
-              <a:t>стоит рассказать поподробнее чутка. Если с лексическим и синтаксическим анализатором все более менее понятно, то про то, что такое </a:t>
-            </a:r>
-            <a:r>
-              <a:rPr lang="en-US" baseline="0" dirty="0"/>
-              <a:t>AST </a:t>
-            </a:r>
-            <a:r>
-              <a:rPr lang="ru-RU" baseline="0" dirty="0"/>
-              <a:t>и </a:t>
-            </a:r>
-            <a:r>
-              <a:rPr lang="en-US" baseline="0" dirty="0" err="1"/>
-              <a:t>visiter</a:t>
-            </a:r>
-            <a:r>
-              <a:rPr lang="en-US" baseline="0" dirty="0"/>
-              <a:t> </a:t>
-            </a:r>
-            <a:r>
-              <a:rPr lang="ru-RU" baseline="0" dirty="0"/>
-              <a:t>можно сказать пару слов. Я понимаю, что там скорее всего будут сидеть люди, которые этим занимаются, (и возможно знают лучше нас) но думаю что все равно стоит</a:t>
+              <a:rPr lang="ru-RU" dirty="0" smtClean="0"/>
+              <a:t>Как работать с</a:t>
+            </a:r>
+            <a:r>
+              <a:rPr lang="ru-RU" baseline="0" dirty="0" smtClean="0"/>
+              <a:t> известными всем типами целых, вещественных или строк все и так представляют.</a:t>
+            </a:r>
+          </a:p>
+          <a:p>
+            <a:r>
+              <a:rPr lang="ru-RU" baseline="0" dirty="0" smtClean="0"/>
+              <a:t>Хочется отдельно выделить не совсем стандартные типы, которые присутствуют в нашем языке.</a:t>
+            </a:r>
+          </a:p>
+          <a:p>
+            <a:r>
+              <a:rPr lang="ru-RU" sz="1400" b="1" i="0" u="none" strike="noStrike" kern="1200" baseline="0" dirty="0" smtClean="0">
+                <a:solidFill>
+                  <a:schemeClr val="tx1"/>
+                </a:solidFill>
+                <a:latin typeface="+mn-lt"/>
+                <a:ea typeface="+mn-ea"/>
+                <a:cs typeface="+mn-cs"/>
+              </a:rPr>
+              <a:t>Массив </a:t>
+            </a:r>
+            <a:r>
+              <a:rPr lang="ru-RU" sz="1400" b="0" i="0" u="none" strike="noStrike" kern="1200" baseline="0" dirty="0" smtClean="0">
+                <a:solidFill>
+                  <a:schemeClr val="tx1"/>
+                </a:solidFill>
+                <a:latin typeface="+mn-lt"/>
+                <a:ea typeface="+mn-ea"/>
+                <a:cs typeface="+mn-cs"/>
+              </a:rPr>
+              <a:t>– это линейный список </a:t>
+            </a:r>
+            <a:r>
+              <a:rPr lang="ru-RU" sz="1400" b="0" i="1" u="none" strike="noStrike" kern="1200" baseline="0" dirty="0" smtClean="0">
+                <a:solidFill>
+                  <a:schemeClr val="tx1"/>
+                </a:solidFill>
+                <a:latin typeface="+mn-lt"/>
+                <a:ea typeface="+mn-ea"/>
+                <a:cs typeface="+mn-cs"/>
+              </a:rPr>
+              <a:t>любых типов</a:t>
+            </a:r>
+            <a:r>
+              <a:rPr lang="ru-RU" sz="1400" b="0" i="0" u="none" strike="noStrike" kern="1200" baseline="0" dirty="0" smtClean="0">
+                <a:solidFill>
+                  <a:schemeClr val="tx1"/>
+                </a:solidFill>
+                <a:latin typeface="+mn-lt"/>
+                <a:ea typeface="+mn-ea"/>
+                <a:cs typeface="+mn-cs"/>
+              </a:rPr>
+              <a:t>. Размер массива (число элементов) не фиксируется и может динамически изменяться. Заметим, что массив – это «настоящий» ассоциативный массив с ключами, представляющими целые значения. Значения соседних ключей в массиве не обязательно различаются на единицу. Так, возможна, например, следующая последовательность операторов: </a:t>
+            </a:r>
+            <a:r>
+              <a:rPr lang="ru-RU" baseline="0" dirty="0" smtClean="0"/>
+              <a:t> на слайду</a:t>
+            </a:r>
+          </a:p>
+          <a:p>
+            <a:endParaRPr lang="ru-RU" baseline="0" dirty="0" smtClean="0"/>
+          </a:p>
+          <a:p>
+            <a:r>
+              <a:rPr lang="ru-RU" sz="1400" b="1" i="0" u="none" strike="noStrike" kern="1200" baseline="0" dirty="0" smtClean="0">
+                <a:solidFill>
+                  <a:schemeClr val="tx1"/>
+                </a:solidFill>
+                <a:latin typeface="+mn-lt"/>
+                <a:ea typeface="+mn-ea"/>
+                <a:cs typeface="+mn-cs"/>
+              </a:rPr>
+              <a:t>Кортеж </a:t>
+            </a:r>
+            <a:r>
+              <a:rPr lang="ru-RU" sz="1400" b="0" i="0" u="none" strike="noStrike" kern="1200" baseline="0" dirty="0" smtClean="0">
+                <a:solidFill>
+                  <a:schemeClr val="tx1"/>
+                </a:solidFill>
+                <a:latin typeface="+mn-lt"/>
+                <a:ea typeface="+mn-ea"/>
+                <a:cs typeface="+mn-cs"/>
+              </a:rPr>
+              <a:t>– это совокупность поименованных значений произвольных типов. Имена элементов уникальны в пределах кортежа. Структура кортежей, в отличие от массивов, не может модифицироваться; единственный способ изменить состав элементов кортежа – добавить к нему другой кортеж:  на слайде</a:t>
+            </a:r>
+          </a:p>
+          <a:p>
+            <a:endParaRPr lang="ru-RU" sz="1400" b="0" i="0" u="none" strike="noStrike" kern="1200" baseline="0" dirty="0" smtClean="0">
+              <a:solidFill>
+                <a:schemeClr val="tx1"/>
+              </a:solidFill>
+              <a:latin typeface="+mn-lt"/>
+              <a:ea typeface="+mn-ea"/>
+              <a:cs typeface="+mn-cs"/>
+            </a:endParaRPr>
+          </a:p>
+          <a:p>
+            <a:r>
+              <a:rPr lang="ru-RU" sz="1400" b="0" i="0" u="none" strike="noStrike" kern="1200" baseline="0" dirty="0" smtClean="0">
+                <a:solidFill>
+                  <a:schemeClr val="tx1"/>
+                </a:solidFill>
+                <a:latin typeface="+mn-lt"/>
+                <a:ea typeface="+mn-ea"/>
+                <a:cs typeface="+mn-cs"/>
+              </a:rPr>
+              <a:t>Доступ к элементам кортежа производится посредством точечной нотации, в которой задается имя переменной-кортежа и имя элемента кортежа</a:t>
             </a:r>
             <a:endParaRPr lang="ru-RU" dirty="0"/>
           </a:p>
@@ -1126,7 +1166,7 @@
             <a:fld id="{FC3E18DF-29F7-467D-AE61-24A211DADF20}" type="slidenum">
               <a:rPr lang="en-US" smtClean="0"/>
               <a:pPr/>
-              <a:t>5</a:t>
+              <a:t>4</a:t>
             </a:fld>
             <a:endParaRPr lang="en-US"/>
           </a:p>
@@ -1135,7 +1175,7 @@
     </p:spTree>
     <p:extLst>
       <p:ext uri="{BB962C8B-B14F-4D97-AF65-F5344CB8AC3E}">
-        <p14:creationId xmlns:p14="http://schemas.microsoft.com/office/powerpoint/2010/main" val="547244567"/>
+        <p14:creationId xmlns:p14="http://schemas.microsoft.com/office/powerpoint/2010/main" val="1296669104"/>
       </p:ext>
     </p:extLst>
   </p:cSld>
@@ -1186,47 +1226,186 @@
         </p:nvSpPr>
         <p:spPr/>
         <p:txBody>
-          <a:bodyPr/>
+          <a:bodyPr>
+            <a:normAutofit fontScale="85000" lnSpcReduction="20000"/>
+          </a:bodyPr>
           <a:lstStyle/>
           <a:p>
             <a:r>
               <a:rPr lang="ru-RU" dirty="0"/>
-              <a:t>*передаем слово* Для понимания</a:t>
+              <a:t>Перед тем, как приступить к работе, перед нами стоял выбор</a:t>
+            </a:r>
+            <a:r>
+              <a:rPr lang="en-US" dirty="0"/>
+              <a:t>: </a:t>
+            </a:r>
+            <a:r>
+              <a:rPr lang="ru-RU" dirty="0"/>
+              <a:t>писать парсер вручную или использовать </a:t>
+            </a:r>
+            <a:r>
+              <a:rPr lang="en-US" dirty="0"/>
+              <a:t>flex/bison. </a:t>
+            </a:r>
+            <a:r>
+              <a:rPr lang="ru-RU" dirty="0"/>
+              <a:t>Посовещавшись, мы пришли к выводу, что использование </a:t>
+            </a:r>
+            <a:r>
+              <a:rPr lang="en-US" dirty="0"/>
+              <a:t>flex/bison</a:t>
+            </a:r>
+            <a:r>
+              <a:rPr lang="ru-RU" dirty="0"/>
+              <a:t> больше подходит для нас, так как мы посчитали, что этот способ быстрее, а времени на проект у нас не очень много и лучше будет его потратить на </a:t>
+            </a:r>
+            <a:r>
+              <a:rPr lang="ru-RU" dirty="0" smtClean="0"/>
+              <a:t>что-нибудь </a:t>
+            </a:r>
+            <a:r>
+              <a:rPr lang="ru-RU" dirty="0"/>
+              <a:t>другое + интересно было изучить утилиту такого рода. (Оглядываясь назад – это было правильным решением, времени действительно не хватало). В итоге получение</a:t>
             </a:r>
             <a:r>
               <a:rPr lang="ru-RU" baseline="0" dirty="0"/>
-              <a:t> насколько у нас проект завершен уже на стадии синтаксического анализа мы начали проводить простые тесты на проверку всевозможных конструкций языка. Но впоследствии на этапе семантического анализа были написаны </a:t>
-            </a:r>
-            <a:r>
-              <a:rPr lang="ru-RU" baseline="0" dirty="0" smtClean="0"/>
-              <a:t>пара примеров на нашем языке, в частности эта сортировка, </a:t>
+              <a:t> анализаторов не заняло у нас большого количества времени. Мой коллега *имя* в достаточно быстрый срок сделал </a:t>
+            </a:r>
+            <a:r>
+              <a:rPr lang="en-US" baseline="0" dirty="0"/>
+              <a:t>flex </a:t>
             </a:r>
             <a:r>
               <a:rPr lang="ru-RU" baseline="0" dirty="0"/>
-              <a:t>чтобы лучше убедится в корректности нашей программы. Сначала для простоты был выбран обычный пузырек, а затем ближе к завершению проекта написали быструю сортировку (теперь в нашем языке есть стандартный </a:t>
-            </a:r>
-            <a:r>
-              <a:rPr lang="en-US" baseline="0" dirty="0" err="1"/>
-              <a:t>qsort</a:t>
+              <a:t>и </a:t>
             </a:r>
             <a:r>
               <a:rPr lang="en-US" baseline="0" dirty="0"/>
-              <a:t> =))</a:t>
+              <a:t>bison </a:t>
             </a:r>
             <a:r>
               <a:rPr lang="ru-RU" baseline="0" dirty="0"/>
-              <a:t>. Сортировки успешно обработались компилятором, что означает, что мы идем в правильном направлении, и наш компилятор правильно обрабатывает синтаксис, а также выдает результат. </a:t>
+              <a:t>файлы с данными нам описаниями грамматики. *передаем слово*</a:t>
             </a:r>
             <a:br>
               <a:rPr lang="ru-RU" baseline="0" dirty="0"/>
             </a:br>
             <a:r>
               <a:rPr lang="ru-RU" baseline="0" dirty="0"/>
-              <a:t/>
+              <a:t>Самая большая проблема была в ссылках, правильном раскрытие списков аргументов (</a:t>
+            </a:r>
+            <a:r>
+              <a:rPr lang="en-US" baseline="0" dirty="0" err="1"/>
+              <a:t>statement_list</a:t>
+            </a:r>
+            <a:r>
+              <a:rPr lang="en-US" baseline="0" dirty="0"/>
+              <a:t> etc…)</a:t>
+            </a:r>
+            <a:r>
+              <a:rPr lang="ru-RU" baseline="0" dirty="0"/>
+              <a:t>. Ну и безусловно в уменьшении количества ошибок типа </a:t>
+            </a:r>
+            <a:r>
+              <a:rPr lang="en-US" baseline="0" dirty="0"/>
+              <a:t>shift/reduce</a:t>
+            </a:r>
+            <a:r>
+              <a:rPr lang="ru-RU" baseline="0" dirty="0"/>
+              <a:t>. </a:t>
+            </a:r>
+            <a:r>
+              <a:rPr lang="en-US" baseline="0" dirty="0"/>
+              <a:t>*</a:t>
+            </a:r>
+            <a:r>
+              <a:rPr lang="ru-RU" baseline="0" dirty="0"/>
+              <a:t>возможно рассказать про баги/интересные моменты правки*.</a:t>
+            </a:r>
+          </a:p>
+          <a:p>
+            <a:r>
+              <a:rPr lang="ru-RU" baseline="0" dirty="0"/>
+              <a:t>Следующим шагом было создание дерева абстрактного синтаксиса. Этот шаг и шаг написания </a:t>
+            </a:r>
+            <a:r>
+              <a:rPr lang="ru-RU" baseline="0" dirty="0" smtClean="0"/>
+              <a:t>обхода дерева </a:t>
+            </a:r>
+            <a:r>
+              <a:rPr lang="ru-RU" baseline="0" dirty="0"/>
+              <a:t>у нас был един и принимали в нем участие все участники команды, с миру по нитке. На этой стадии мы начинали с простых шагов, литералов в </a:t>
+            </a:r>
+            <a:r>
+              <a:rPr lang="ru-RU" baseline="0" dirty="0" smtClean="0"/>
+              <a:t>частности и арифметики над ними, </a:t>
+            </a:r>
+            <a:r>
+              <a:rPr lang="ru-RU" baseline="0" dirty="0"/>
+              <a:t>переходя к более сложным управляющим конструкциям, и наконец переходя к самому сложному для нас - функциональным типам и таблице символов. Ну и соответственно это все было одновременно с </a:t>
+            </a:r>
+            <a:r>
+              <a:rPr lang="ru-RU" baseline="0" dirty="0" smtClean="0"/>
+              <a:t>интерпретацией </a:t>
+            </a:r>
+            <a:r>
+              <a:rPr lang="ru-RU" baseline="0" dirty="0"/>
+              <a:t>этих входящих </a:t>
+            </a:r>
+            <a:r>
+              <a:rPr lang="ru-RU" baseline="0" dirty="0" smtClean="0"/>
+              <a:t>узлов при обходе. </a:t>
+            </a:r>
+            <a:r>
+              <a:rPr lang="ru-RU" baseline="0" dirty="0"/>
+              <a:t>Итак, переходя к результатам. *след. Слайд*</a:t>
             </a:r>
             <a:br>
               <a:rPr lang="ru-RU" baseline="0" dirty="0"/>
             </a:br>
+            <a:r>
+              <a:rPr lang="ru-RU" baseline="0" dirty="0"/>
+              <a:t/>
+            </a:r>
+            <a:br>
+              <a:rPr lang="ru-RU" baseline="0" dirty="0"/>
+            </a:br>
+            <a:r>
+              <a:rPr lang="en-US" baseline="0" dirty="0"/>
+              <a:t>// </a:t>
+            </a:r>
+            <a:r>
+              <a:rPr lang="ru-RU" baseline="0" dirty="0"/>
+              <a:t>ИМХО, здесь</a:t>
+            </a:r>
+            <a:r>
+              <a:rPr lang="en-US" baseline="0" dirty="0"/>
+              <a:t> </a:t>
+            </a:r>
+            <a:r>
+              <a:rPr lang="ru-RU" baseline="0" dirty="0"/>
+              <a:t>стоит рассказать поподробнее чутка. Если с лексическим и синтаксическим анализатором все более менее понятно, то про то, что такое </a:t>
+            </a:r>
+            <a:r>
+              <a:rPr lang="en-US" baseline="0" dirty="0"/>
+              <a:t>AST </a:t>
+            </a:r>
+            <a:r>
+              <a:rPr lang="ru-RU" baseline="0" dirty="0"/>
+              <a:t>и </a:t>
+            </a:r>
+            <a:r>
+              <a:rPr lang="en-US" baseline="0" dirty="0" err="1"/>
+              <a:t>visiter</a:t>
+            </a:r>
+            <a:r>
+              <a:rPr lang="en-US" baseline="0" dirty="0"/>
+              <a:t> </a:t>
+            </a:r>
+            <a:r>
+              <a:rPr lang="ru-RU" baseline="0" dirty="0"/>
+              <a:t>можно сказать пару слов. Я понимаю, что там скорее всего будут сидеть люди, которые этим занимаются, (и возможно знают лучше нас) но думаю что все равно стоит</a:t>
+            </a:r>
             <a:endParaRPr lang="ru-RU" dirty="0"/>
           </a:p>
         </p:txBody>
@@ -1249,7 +1428,7 @@
             <a:fld id="{FC3E18DF-29F7-467D-AE61-24A211DADF20}" type="slidenum">
               <a:rPr lang="en-US" smtClean="0"/>
               <a:pPr/>
-              <a:t>6</a:t>
+              <a:t>5</a:t>
             </a:fld>
             <a:endParaRPr lang="en-US"/>
           </a:p>
@@ -1258,7 +1437,7 @@
     </p:spTree>
     <p:extLst>
       <p:ext uri="{BB962C8B-B14F-4D97-AF65-F5344CB8AC3E}">
-        <p14:creationId xmlns:p14="http://schemas.microsoft.com/office/powerpoint/2010/main" val="3944839289"/>
+        <p14:creationId xmlns:p14="http://schemas.microsoft.com/office/powerpoint/2010/main" val="547244567"/>
       </p:ext>
     </p:extLst>
   </p:cSld>
@@ -1313,81 +1492,14 @@
           <a:lstStyle/>
           <a:p>
             <a:r>
-              <a:rPr lang="ru-RU" dirty="0"/>
-              <a:t>В</a:t>
-            </a:r>
-            <a:r>
-              <a:rPr lang="ru-RU" baseline="0" dirty="0"/>
-              <a:t> первую очередь хочется сказать, что этот </a:t>
-            </a:r>
-            <a:r>
-              <a:rPr lang="en-US" baseline="0" dirty="0"/>
-              <a:t>Bootcamp </a:t>
-            </a:r>
-            <a:r>
-              <a:rPr lang="ru-RU" baseline="0" dirty="0"/>
-              <a:t>является учебным, и я уверен, что в ходе работы все мы получили много новых знаний</a:t>
-            </a:r>
-            <a:r>
-              <a:rPr lang="en-US" baseline="0" dirty="0"/>
-              <a:t>/</a:t>
-            </a:r>
-            <a:r>
-              <a:rPr lang="ru-RU" baseline="0" dirty="0"/>
-              <a:t>опыта. Так же мы поняли, что написание компилятора довольно трудоемкий процесс и отнимает много времени, особенно если вы новичок в этом деле (а скорее всего даже если вы и не новичок). Чем сложнее структура языка, тем интереснее и сложнее получается структура компилятора.</a:t>
-            </a:r>
-            <a:r>
-              <a:rPr lang="ru-RU" b="1" baseline="0" dirty="0"/>
-              <a:t>(?)</a:t>
-            </a:r>
-            <a:r>
-              <a:rPr lang="ru-RU" baseline="0" dirty="0"/>
-              <a:t>. </a:t>
-            </a:r>
-            <a:br>
-              <a:rPr lang="ru-RU" baseline="0" dirty="0"/>
-            </a:br>
-            <a:endParaRPr lang="ru-RU" baseline="0" dirty="0"/>
-          </a:p>
-          <a:p>
-            <a:r>
-              <a:rPr lang="ru-RU" baseline="0" dirty="0"/>
-              <a:t>Касательно нашего языка, мы приняли единогласное решение, что если мы решим реализовывать что-нибудь на базе этого языка, то посовещавшись произведем некоторые реконструкции языка, пока не знаем в какую сторону. Конкретных планов на продолжение проекта пока что нет. </a:t>
-            </a:r>
-          </a:p>
-          <a:p>
-            <a:r>
-              <a:rPr lang="ru-RU" baseline="0" dirty="0"/>
-              <a:t>Мы намеренно не добавляли код реализации в презентацию. Если кому-либо интересно ознакомиться с ним поближе, то добро пожаловать на страницу этого </a:t>
-            </a:r>
-            <a:r>
-              <a:rPr lang="ru-RU" baseline="0" dirty="0" err="1"/>
-              <a:t>буткемпа</a:t>
-            </a:r>
-            <a:r>
-              <a:rPr lang="ru-RU" baseline="0" dirty="0"/>
-              <a:t>, наш проект под кодовым именем </a:t>
-            </a:r>
-            <a:r>
-              <a:rPr lang="en-US" baseline="0" dirty="0"/>
-              <a:t>D</a:t>
-            </a:r>
-            <a:r>
-              <a:rPr lang="ru-RU" baseline="0" dirty="0"/>
-              <a:t>(</a:t>
-            </a:r>
-            <a:r>
-              <a:rPr lang="en-US" baseline="0" dirty="0" err="1"/>
-              <a:t>ynamic</a:t>
-            </a:r>
-            <a:r>
-              <a:rPr lang="en-US" baseline="0" dirty="0"/>
-              <a:t>). </a:t>
-            </a:r>
-            <a:endParaRPr lang="ru-RU" baseline="0" dirty="0"/>
-          </a:p>
-          <a:p>
-            <a:endParaRPr lang="ru-RU" baseline="0" dirty="0"/>
+              <a:rPr lang="ru-RU" dirty="0" smtClean="0"/>
+              <a:t>Короткий</a:t>
+            </a:r>
+            <a:r>
+              <a:rPr lang="ru-RU" baseline="0" dirty="0" smtClean="0"/>
+              <a:t> рассказ о том как у нас реализовано дерево что в нём есть и что мы используем</a:t>
+            </a:r>
+            <a:endParaRPr lang="ru-RU" dirty="0"/>
           </a:p>
         </p:txBody>
       </p:sp>
@@ -1409,7 +1521,7 @@
             <a:fld id="{FC3E18DF-29F7-467D-AE61-24A211DADF20}" type="slidenum">
               <a:rPr lang="en-US" smtClean="0"/>
               <a:pPr/>
-              <a:t>7</a:t>
+              <a:t>6</a:t>
             </a:fld>
             <a:endParaRPr lang="en-US"/>
           </a:p>
@@ -1418,7 +1530,7 @@
     </p:spTree>
     <p:extLst>
       <p:ext uri="{BB962C8B-B14F-4D97-AF65-F5344CB8AC3E}">
-        <p14:creationId xmlns:p14="http://schemas.microsoft.com/office/powerpoint/2010/main" val="3095113527"/>
+        <p14:creationId xmlns:p14="http://schemas.microsoft.com/office/powerpoint/2010/main" val="772029921"/>
       </p:ext>
     </p:extLst>
   </p:cSld>
@@ -1472,6 +1584,137 @@
           <a:bodyPr/>
           <a:lstStyle/>
           <a:p>
+            <a:r>
+              <a:rPr lang="ru-RU" dirty="0"/>
+              <a:t>*передаем слово* Для понимания</a:t>
+            </a:r>
+            <a:r>
+              <a:rPr lang="ru-RU" baseline="0" dirty="0"/>
+              <a:t> насколько у нас проект завершен уже на стадии синтаксического анализа мы начали проводить простые тесты на проверку всевозможных конструкций языка. Но впоследствии на этапе семантического анализа были написаны </a:t>
+            </a:r>
+            <a:r>
+              <a:rPr lang="ru-RU" baseline="0" dirty="0" smtClean="0"/>
+              <a:t>пара примеров на нашем языке, в частности эта сортировка, </a:t>
+            </a:r>
+            <a:r>
+              <a:rPr lang="ru-RU" baseline="0" dirty="0"/>
+              <a:t>чтобы лучше убедится в корректности нашей программы. Сначала для простоты был выбран обычный пузырек, а затем ближе к завершению проекта написали быструю сортировку (теперь в нашем языке есть стандартный </a:t>
+            </a:r>
+            <a:r>
+              <a:rPr lang="en-US" baseline="0" dirty="0" err="1"/>
+              <a:t>qsort</a:t>
+            </a:r>
+            <a:r>
+              <a:rPr lang="en-US" baseline="0" dirty="0"/>
+              <a:t> =))</a:t>
+            </a:r>
+            <a:r>
+              <a:rPr lang="ru-RU" baseline="0" dirty="0"/>
+              <a:t>. Сортировки успешно обработались компилятором, что означает, что мы идем в правильном направлении, и наш компилятор правильно обрабатывает синтаксис, а также выдает результат. </a:t>
+            </a:r>
+            <a:br>
+              <a:rPr lang="ru-RU" baseline="0" dirty="0"/>
+            </a:br>
+            <a:r>
+              <a:rPr lang="ru-RU" baseline="0" dirty="0"/>
+              <a:t/>
+            </a:r>
+            <a:br>
+              <a:rPr lang="ru-RU" baseline="0" dirty="0"/>
+            </a:br>
+            <a:endParaRPr lang="ru-RU" dirty="0"/>
+          </a:p>
+        </p:txBody>
+      </p:sp>
+      <p:sp>
+        <p:nvSpPr>
+          <p:cNvPr id="4" name="Номер слайда 3"/>
+          <p:cNvSpPr>
+            <a:spLocks noGrp="1"/>
+          </p:cNvSpPr>
+          <p:nvPr>
+            <p:ph type="sldNum" sz="quarter" idx="10"/>
+          </p:nvPr>
+        </p:nvSpPr>
+        <p:spPr/>
+        <p:txBody>
+          <a:bodyPr/>
+          <a:lstStyle/>
+          <a:p>
+            <a:fld id="{FC3E18DF-29F7-467D-AE61-24A211DADF20}" type="slidenum">
+              <a:rPr lang="en-US" smtClean="0"/>
+              <a:pPr/>
+              <a:t>7</a:t>
+            </a:fld>
+            <a:endParaRPr lang="en-US"/>
+          </a:p>
+        </p:txBody>
+      </p:sp>
+    </p:spTree>
+    <p:extLst>
+      <p:ext uri="{BB962C8B-B14F-4D97-AF65-F5344CB8AC3E}">
+        <p14:creationId xmlns:p14="http://schemas.microsoft.com/office/powerpoint/2010/main" val="3944839289"/>
+      </p:ext>
+    </p:extLst>
+  </p:cSld>
+  <p:clrMapOvr>
+    <a:masterClrMapping/>
+  </p:clrMapOvr>
+</p:notes>
+</file>
+
+<file path=ppt/notesSlides/notesSlide8.xml><?xml version="1.0" encoding="utf-8"?>
+<p:notes xmlns:a="http://schemas.openxmlformats.org/drawingml/2006/main" xmlns:r="http://schemas.openxmlformats.org/officeDocument/2006/relationships" xmlns:p="http://schemas.openxmlformats.org/presentationml/2006/main">
+  <p:cSld>
+    <p:spTree>
+      <p:nvGrpSpPr>
+        <p:cNvPr id="1" name=""/>
+        <p:cNvGrpSpPr/>
+        <p:nvPr/>
+      </p:nvGrpSpPr>
+      <p:grpSpPr>
+        <a:xfrm>
+          <a:off x="0" y="0"/>
+          <a:ext cx="0" cy="0"/>
+          <a:chOff x="0" y="0"/>
+          <a:chExt cx="0" cy="0"/>
+        </a:xfrm>
+      </p:grpSpPr>
+      <p:sp>
+        <p:nvSpPr>
+          <p:cNvPr id="2" name="Образ слайда 1"/>
+          <p:cNvSpPr>
+            <a:spLocks noGrp="1" noRot="1" noChangeAspect="1"/>
+          </p:cNvSpPr>
+          <p:nvPr>
+            <p:ph type="sldImg"/>
+          </p:nvPr>
+        </p:nvSpPr>
+        <p:spPr/>
+      </p:sp>
+      <p:sp>
+        <p:nvSpPr>
+          <p:cNvPr id="3" name="Заметки 2"/>
+          <p:cNvSpPr>
+            <a:spLocks noGrp="1"/>
+          </p:cNvSpPr>
+          <p:nvPr>
+            <p:ph type="body" idx="1"/>
+          </p:nvPr>
+        </p:nvSpPr>
+        <p:spPr/>
+        <p:txBody>
+          <a:bodyPr/>
+          <a:lstStyle/>
+          <a:p>
+            <a:r>
+              <a:rPr lang="ru-RU" dirty="0" smtClean="0"/>
+              <a:t>Соотносим</a:t>
+            </a:r>
+            <a:r>
+              <a:rPr lang="ru-RU" baseline="0" dirty="0" smtClean="0"/>
+              <a:t> поставленные задачи с полученными результатами(Мы полностью выполнили то, что требовалось)</a:t>
+            </a:r>
             <a:endParaRPr lang="ru-RU" dirty="0"/>
           </a:p>
         </p:txBody>
@@ -1503,7 +1746,167 @@
     </p:spTree>
     <p:extLst>
       <p:ext uri="{BB962C8B-B14F-4D97-AF65-F5344CB8AC3E}">
-        <p14:creationId xmlns:p14="http://schemas.microsoft.com/office/powerpoint/2010/main" val="743209513"/>
+        <p14:creationId xmlns:p14="http://schemas.microsoft.com/office/powerpoint/2010/main" val="1209525021"/>
+      </p:ext>
+    </p:extLst>
+  </p:cSld>
+  <p:clrMapOvr>
+    <a:masterClrMapping/>
+  </p:clrMapOvr>
+</p:notes>
+</file>
+
+<file path=ppt/notesSlides/notesSlide9.xml><?xml version="1.0" encoding="utf-8"?>
+<p:notes xmlns:a="http://schemas.openxmlformats.org/drawingml/2006/main" xmlns:r="http://schemas.openxmlformats.org/officeDocument/2006/relationships" xmlns:p="http://schemas.openxmlformats.org/presentationml/2006/main">
+  <p:cSld>
+    <p:spTree>
+      <p:nvGrpSpPr>
+        <p:cNvPr id="1" name=""/>
+        <p:cNvGrpSpPr/>
+        <p:nvPr/>
+      </p:nvGrpSpPr>
+      <p:grpSpPr>
+        <a:xfrm>
+          <a:off x="0" y="0"/>
+          <a:ext cx="0" cy="0"/>
+          <a:chOff x="0" y="0"/>
+          <a:chExt cx="0" cy="0"/>
+        </a:xfrm>
+      </p:grpSpPr>
+      <p:sp>
+        <p:nvSpPr>
+          <p:cNvPr id="2" name="Образ слайда 1"/>
+          <p:cNvSpPr>
+            <a:spLocks noGrp="1" noRot="1" noChangeAspect="1"/>
+          </p:cNvSpPr>
+          <p:nvPr>
+            <p:ph type="sldImg"/>
+          </p:nvPr>
+        </p:nvSpPr>
+        <p:spPr/>
+      </p:sp>
+      <p:sp>
+        <p:nvSpPr>
+          <p:cNvPr id="3" name="Заметки 2"/>
+          <p:cNvSpPr>
+            <a:spLocks noGrp="1"/>
+          </p:cNvSpPr>
+          <p:nvPr>
+            <p:ph type="body" idx="1"/>
+          </p:nvPr>
+        </p:nvSpPr>
+        <p:spPr/>
+        <p:txBody>
+          <a:bodyPr/>
+          <a:lstStyle/>
+          <a:p>
+            <a:r>
+              <a:rPr lang="ru-RU" dirty="0"/>
+              <a:t>В</a:t>
+            </a:r>
+            <a:r>
+              <a:rPr lang="ru-RU" baseline="0" dirty="0"/>
+              <a:t> первую очередь хочется сказать, что этот </a:t>
+            </a:r>
+            <a:r>
+              <a:rPr lang="en-US" baseline="0" dirty="0"/>
+              <a:t>Bootcamp </a:t>
+            </a:r>
+            <a:r>
+              <a:rPr lang="ru-RU" baseline="0" dirty="0"/>
+              <a:t>является учебным, и я уверен, что в ходе работы все мы получили много новых знаний</a:t>
+            </a:r>
+            <a:r>
+              <a:rPr lang="en-US" baseline="0" dirty="0"/>
+              <a:t>/</a:t>
+            </a:r>
+            <a:r>
+              <a:rPr lang="ru-RU" baseline="0" dirty="0"/>
+              <a:t>опыта. Так же мы поняли, что написание компилятора довольно трудоемкий процесс и отнимает много времени, особенно если вы новичок в этом деле (а скорее всего даже если вы и не новичок). Чем сложнее структура языка, тем интереснее и сложнее получается структура компилятора.</a:t>
+            </a:r>
+            <a:r>
+              <a:rPr lang="ru-RU" b="1" baseline="0" dirty="0"/>
+              <a:t>(?)</a:t>
+            </a:r>
+            <a:r>
+              <a:rPr lang="ru-RU" baseline="0" dirty="0"/>
+              <a:t>. </a:t>
+            </a:r>
+            <a:br>
+              <a:rPr lang="ru-RU" baseline="0" dirty="0"/>
+            </a:br>
+            <a:endParaRPr lang="ru-RU" baseline="0" dirty="0"/>
+          </a:p>
+          <a:p>
+            <a:r>
+              <a:rPr lang="ru-RU" baseline="0" dirty="0"/>
+              <a:t>Касательно нашего языка, мы приняли единогласное решение, что если мы решим реализовывать что-нибудь на базе этого языка, то посовещавшись произведем некоторые реконструкции языка, пока не знаем в какую сторону. Конкретных планов на продолжение проекта пока что нет. </a:t>
+            </a:r>
+          </a:p>
+          <a:p>
+            <a:r>
+              <a:rPr lang="ru-RU" baseline="0" dirty="0"/>
+              <a:t>Мы намеренно не добавляли код реализации в презентацию. Если кому-либо интересно ознакомиться с ним поближе, то добро пожаловать на страницу этого </a:t>
+            </a:r>
+            <a:r>
+              <a:rPr lang="ru-RU" baseline="0" dirty="0" err="1"/>
+              <a:t>буткемпа</a:t>
+            </a:r>
+            <a:r>
+              <a:rPr lang="ru-RU" baseline="0" dirty="0"/>
+              <a:t>, наш проект под кодовым именем </a:t>
+            </a:r>
+            <a:r>
+              <a:rPr lang="en-US" baseline="0" dirty="0"/>
+              <a:t>D</a:t>
+            </a:r>
+            <a:r>
+              <a:rPr lang="ru-RU" baseline="0" dirty="0"/>
+              <a:t>(</a:t>
+            </a:r>
+            <a:r>
+              <a:rPr lang="en-US" baseline="0" dirty="0" err="1"/>
+              <a:t>ynamic</a:t>
+            </a:r>
+            <a:r>
+              <a:rPr lang="en-US" baseline="0" dirty="0"/>
+              <a:t>). </a:t>
+            </a:r>
+            <a:endParaRPr lang="ru-RU" baseline="0" dirty="0"/>
+          </a:p>
+          <a:p>
+            <a:endParaRPr lang="ru-RU" baseline="0" dirty="0"/>
+          </a:p>
+        </p:txBody>
+      </p:sp>
+      <p:sp>
+        <p:nvSpPr>
+          <p:cNvPr id="4" name="Номер слайда 3"/>
+          <p:cNvSpPr>
+            <a:spLocks noGrp="1"/>
+          </p:cNvSpPr>
+          <p:nvPr>
+            <p:ph type="sldNum" sz="quarter" idx="10"/>
+          </p:nvPr>
+        </p:nvSpPr>
+        <p:spPr/>
+        <p:txBody>
+          <a:bodyPr/>
+          <a:lstStyle/>
+          <a:p>
+            <a:fld id="{FC3E18DF-29F7-467D-AE61-24A211DADF20}" type="slidenum">
+              <a:rPr lang="en-US" smtClean="0"/>
+              <a:pPr/>
+              <a:t>9</a:t>
+            </a:fld>
+            <a:endParaRPr lang="en-US"/>
+          </a:p>
+        </p:txBody>
+      </p:sp>
+    </p:spTree>
+    <p:extLst>
+      <p:ext uri="{BB962C8B-B14F-4D97-AF65-F5344CB8AC3E}">
+        <p14:creationId xmlns:p14="http://schemas.microsoft.com/office/powerpoint/2010/main" val="3095113527"/>
       </p:ext>
     </p:extLst>
   </p:cSld>
@@ -6528,8 +6931,8 @@
         </p:nvSpPr>
         <p:spPr>
           <a:xfrm>
-            <a:off x="2464453" y="2797387"/>
-            <a:ext cx="5594773" cy="1398693"/>
+            <a:off x="1402364" y="3065760"/>
+            <a:ext cx="6662460" cy="1398693"/>
           </a:xfrm>
           <a:prstGeom prst="rect">
             <a:avLst/>
@@ -6540,16 +6943,26 @@
           <a:lstStyle/>
           <a:p>
             <a:r>
-              <a:rPr lang="ru-RU" dirty="0"/>
-              <a:t>Контакты</a:t>
-            </a:r>
-          </a:p>
-          <a:p>
-            <a:r>
               <a:rPr lang="en-US" dirty="0"/>
-              <a:t>@mail</a:t>
+              <a:t>Dream.doomwalker@yandex.ru</a:t>
             </a:r>
             <a:endParaRPr lang="ru-RU" dirty="0"/>
+          </a:p>
+          <a:p>
+            <a:r>
+              <a:rPr lang="en-US" dirty="0"/>
+              <a:t>mace_window@mail.ru</a:t>
+            </a:r>
+          </a:p>
+          <a:p>
+            <a:r>
+              <a:rPr lang="en-US" dirty="0" smtClean="0"/>
+              <a:t>www.ordandrew1@gmail.com</a:t>
+            </a:r>
+            <a:endParaRPr lang="en-US" dirty="0"/>
+          </a:p>
+          <a:p>
+            <a:endParaRPr lang="ru-RU" b="1" dirty="0"/>
           </a:p>
           <a:p>
             <a:endParaRPr lang="ru-RU" dirty="0"/>
@@ -6581,13 +6994,20 @@
     </p:spTree>
     <p:extLst>
       <p:ext uri="{BB962C8B-B14F-4D97-AF65-F5344CB8AC3E}">
-        <p14:creationId xmlns:p14="http://schemas.microsoft.com/office/powerpoint/2010/main" val="1231589446"/>
+        <p14:creationId xmlns:p14="http://schemas.microsoft.com/office/powerpoint/2010/main" val="183060879"/>
       </p:ext>
     </p:extLst>
   </p:cSld>
   <p:clrMapOvr>
     <a:masterClrMapping/>
   </p:clrMapOvr>
+  <p:timing>
+    <p:tnLst>
+      <p:par>
+        <p:cTn id="1" dur="indefinite" restart="never" nodeType="tmRoot"/>
+      </p:par>
+    </p:tnLst>
+  </p:timing>
 </p:sld>
 </file>
 
@@ -6787,7 +7207,7 @@
         </p:nvSpPr>
         <p:spPr>
           <a:xfrm>
-            <a:off x="287338" y="732650"/>
+            <a:off x="287338" y="980920"/>
             <a:ext cx="10080626" cy="3806631"/>
           </a:xfrm>
         </p:spPr>
@@ -7171,7 +7591,7 @@
           <p:nvPr/>
         </p:nvPicPr>
         <p:blipFill>
-          <a:blip r:embed="rId2"/>
+          <a:blip r:embed="rId3"/>
           <a:stretch>
             <a:fillRect/>
           </a:stretch>
@@ -7195,7 +7615,7 @@
           <p:nvPr/>
         </p:nvPicPr>
         <p:blipFill>
-          <a:blip r:embed="rId3"/>
+          <a:blip r:embed="rId4"/>
           <a:stretch>
             <a:fillRect/>
           </a:stretch>
@@ -7219,7 +7639,7 @@
           <p:nvPr/>
         </p:nvPicPr>
         <p:blipFill>
-          <a:blip r:embed="rId4"/>
+          <a:blip r:embed="rId5"/>
           <a:stretch>
             <a:fillRect/>
           </a:stretch>
@@ -7342,8 +7762,8 @@
               <a:t>Написание </a:t>
             </a:r>
             <a:r>
-              <a:rPr lang="ru-RU" dirty="0" err="1"/>
-              <a:t>визитора</a:t>
+              <a:rPr lang="ru-RU" dirty="0" smtClean="0"/>
+              <a:t>интерпретатора</a:t>
             </a:r>
             <a:endParaRPr lang="ru-RU" dirty="0"/>
           </a:p>
@@ -7422,38 +7842,127 @@
           <a:lstStyle/>
           <a:p>
             <a:r>
-              <a:rPr lang="ru-RU" dirty="0"/>
-              <a:t>Результаты</a:t>
-            </a:r>
-          </a:p>
-        </p:txBody>
-      </p:sp>
-      <p:pic>
-        <p:nvPicPr>
-          <p:cNvPr id="5" name="Объект 4"/>
-          <p:cNvPicPr>
-            <a:picLocks noGrp="1" noChangeAspect="1"/>
-          </p:cNvPicPr>
+              <a:rPr lang="en-US" dirty="0" smtClean="0"/>
+              <a:t>AST</a:t>
+            </a:r>
+            <a:endParaRPr lang="ru-RU" dirty="0"/>
+          </a:p>
+        </p:txBody>
+      </p:sp>
+      <p:sp>
+        <p:nvSpPr>
+          <p:cNvPr id="3" name="Объект 2"/>
+          <p:cNvSpPr>
+            <a:spLocks noGrp="1"/>
+          </p:cNvSpPr>
           <p:nvPr>
             <p:ph sz="quarter" idx="14"/>
           </p:nvPr>
-        </p:nvPicPr>
-        <p:blipFill>
-          <a:blip r:embed="rId3"/>
-          <a:stretch>
-            <a:fillRect/>
-          </a:stretch>
-        </p:blipFill>
+        </p:nvSpPr>
         <p:spPr>
           <a:xfrm>
-            <a:off x="2962941" y="854414"/>
-            <a:ext cx="4896680" cy="4451528"/>
+            <a:off x="293052" y="1268960"/>
+            <a:ext cx="9932072" cy="3456480"/>
           </a:xfrm>
-          <a:prstGeom prst="rect">
-            <a:avLst/>
-          </a:prstGeom>
         </p:spPr>
-      </p:pic>
+        <p:txBody>
+          <a:bodyPr/>
+          <a:lstStyle/>
+          <a:p>
+            <a:pPr>
+              <a:buFont typeface="Arial" panose="020B0604020202020204" pitchFamily="34" charset="0"/>
+              <a:buChar char="•"/>
+            </a:pPr>
+            <a:r>
+              <a:rPr lang="ru-RU" dirty="0" smtClean="0"/>
+              <a:t>Базовый класс для всех вершин </a:t>
+            </a:r>
+            <a:r>
+              <a:rPr lang="en-US" dirty="0" smtClean="0"/>
+              <a:t>(</a:t>
+            </a:r>
+            <a:r>
+              <a:rPr lang="en-US" dirty="0" smtClean="0">
+                <a:solidFill>
+                  <a:srgbClr val="FF0000"/>
+                </a:solidFill>
+              </a:rPr>
+              <a:t>Node</a:t>
+            </a:r>
+            <a:r>
+              <a:rPr lang="en-US" dirty="0" smtClean="0"/>
+              <a:t>)</a:t>
+            </a:r>
+          </a:p>
+          <a:p>
+            <a:pPr>
+              <a:buFont typeface="Arial" panose="020B0604020202020204" pitchFamily="34" charset="0"/>
+              <a:buChar char="•"/>
+            </a:pPr>
+            <a:r>
+              <a:rPr lang="ru-RU" dirty="0" smtClean="0"/>
+              <a:t>Два вида узлов наследников — </a:t>
+            </a:r>
+            <a:r>
+              <a:rPr lang="en-US" dirty="0" smtClean="0">
+                <a:solidFill>
+                  <a:srgbClr val="FF0000"/>
+                </a:solidFill>
+              </a:rPr>
+              <a:t>Statement</a:t>
+            </a:r>
+            <a:r>
+              <a:rPr lang="en-US" dirty="0" smtClean="0"/>
+              <a:t> </a:t>
+            </a:r>
+            <a:r>
+              <a:rPr lang="ru-RU" dirty="0" smtClean="0"/>
+              <a:t>и </a:t>
+            </a:r>
+            <a:r>
+              <a:rPr lang="en-US" dirty="0" smtClean="0">
+                <a:solidFill>
+                  <a:srgbClr val="FF0000"/>
+                </a:solidFill>
+              </a:rPr>
+              <a:t>Expression</a:t>
+            </a:r>
+          </a:p>
+          <a:p>
+            <a:pPr>
+              <a:buFont typeface="Arial" panose="020B0604020202020204" pitchFamily="34" charset="0"/>
+              <a:buChar char="•"/>
+            </a:pPr>
+            <a:r>
+              <a:rPr lang="ru-RU" dirty="0" smtClean="0"/>
+              <a:t>Обход дерева с помощью шаблона проектирования </a:t>
+            </a:r>
+            <a:r>
+              <a:rPr lang="en-US" u="sng" dirty="0" smtClean="0"/>
+              <a:t>Visitor</a:t>
+            </a:r>
+            <a:endParaRPr lang="ru-RU" u="sng" dirty="0" smtClean="0"/>
+          </a:p>
+          <a:p>
+            <a:pPr>
+              <a:buFont typeface="Arial" panose="020B0604020202020204" pitchFamily="34" charset="0"/>
+              <a:buChar char="•"/>
+            </a:pPr>
+            <a:r>
+              <a:rPr lang="ru-RU" dirty="0" smtClean="0"/>
+              <a:t>У каждого узла существует своя область видимости, которая ограничивается текущим блоком. Также присутствует перекрытие имён при объявлении переменных.</a:t>
+            </a:r>
+            <a:endParaRPr lang="en-US" dirty="0" smtClean="0"/>
+          </a:p>
+          <a:p>
+            <a:pPr>
+              <a:buFont typeface="Arial" panose="020B0604020202020204" pitchFamily="34" charset="0"/>
+              <a:buChar char="•"/>
+            </a:pPr>
+            <a:endParaRPr lang="ru-RU" dirty="0"/>
+          </a:p>
+        </p:txBody>
+      </p:sp>
       <p:sp>
         <p:nvSpPr>
           <p:cNvPr id="4" name="Текст 3"/>
@@ -7476,7 +7985,7 @@
     </p:spTree>
     <p:extLst>
       <p:ext uri="{BB962C8B-B14F-4D97-AF65-F5344CB8AC3E}">
-        <p14:creationId xmlns:p14="http://schemas.microsoft.com/office/powerpoint/2010/main" val="1409793376"/>
+        <p14:creationId xmlns:p14="http://schemas.microsoft.com/office/powerpoint/2010/main" val="2629418621"/>
       </p:ext>
     </p:extLst>
   </p:cSld>
@@ -7528,39 +8037,8 @@
           <a:p>
             <a:r>
               <a:rPr lang="ru-RU" dirty="0"/>
-              <a:t>Выводы и дальнейшие планы</a:t>
-            </a:r>
-          </a:p>
-        </p:txBody>
-      </p:sp>
-      <p:sp>
-        <p:nvSpPr>
-          <p:cNvPr id="3" name="Объект 2"/>
-          <p:cNvSpPr>
-            <a:spLocks noGrp="1"/>
-          </p:cNvSpPr>
-          <p:nvPr>
-            <p:ph sz="quarter" idx="14"/>
-          </p:nvPr>
-        </p:nvSpPr>
-        <p:spPr/>
-        <p:txBody>
-          <a:bodyPr/>
-          <a:lstStyle/>
-          <a:p>
-            <a:r>
-              <a:rPr lang="ru-RU" dirty="0"/>
-              <a:t>Реализация языка - это не просто!</a:t>
-            </a:r>
-          </a:p>
-          <a:p>
-            <a:r>
-              <a:rPr lang="ru-RU" dirty="0"/>
-              <a:t>Развитие языка с реконструкцией</a:t>
-            </a:r>
-          </a:p>
-          <a:p>
-            <a:endParaRPr lang="ru-RU" dirty="0"/>
+              <a:t>Результаты</a:t>
+            </a:r>
           </a:p>
         </p:txBody>
       </p:sp>
@@ -7579,20 +8057,62 @@
           <a:bodyPr/>
           <a:lstStyle/>
           <a:p>
-            <a:r>
-              <a:rPr lang="en-US" sz="2000" dirty="0">
-                <a:hlinkClick r:id="rId3"/>
-              </a:rPr>
-              <a:t>https://github.com/CompilerBootCamp/ProjectD</a:t>
-            </a:r>
-            <a:endParaRPr lang="ru-RU" sz="2000" dirty="0"/>
-          </a:p>
-        </p:txBody>
-      </p:sp>
+            <a:endParaRPr lang="ru-RU"/>
+          </a:p>
+        </p:txBody>
+      </p:sp>
+      <p:pic>
+        <p:nvPicPr>
+          <p:cNvPr id="8" name="Рисунок 7"/>
+          <p:cNvPicPr>
+            <a:picLocks noChangeAspect="1"/>
+          </p:cNvPicPr>
+          <p:nvPr/>
+        </p:nvPicPr>
+        <p:blipFill>
+          <a:blip r:embed="rId3"/>
+          <a:stretch>
+            <a:fillRect/>
+          </a:stretch>
+        </p:blipFill>
+        <p:spPr>
+          <a:xfrm>
+            <a:off x="289815" y="920750"/>
+            <a:ext cx="4400550" cy="4152900"/>
+          </a:xfrm>
+          <a:prstGeom prst="rect">
+            <a:avLst/>
+          </a:prstGeom>
+        </p:spPr>
+      </p:pic>
+      <p:pic>
+        <p:nvPicPr>
+          <p:cNvPr id="10" name="Рисунок 9"/>
+          <p:cNvPicPr>
+            <a:picLocks noChangeAspect="1"/>
+          </p:cNvPicPr>
+          <p:nvPr/>
+        </p:nvPicPr>
+        <p:blipFill>
+          <a:blip r:embed="rId4"/>
+          <a:stretch>
+            <a:fillRect/>
+          </a:stretch>
+        </p:blipFill>
+        <p:spPr>
+          <a:xfrm>
+            <a:off x="5293718" y="919883"/>
+            <a:ext cx="3962400" cy="885825"/>
+          </a:xfrm>
+          <a:prstGeom prst="rect">
+            <a:avLst/>
+          </a:prstGeom>
+        </p:spPr>
+      </p:pic>
     </p:spTree>
     <p:extLst>
       <p:ext uri="{BB962C8B-B14F-4D97-AF65-F5344CB8AC3E}">
-        <p14:creationId xmlns:p14="http://schemas.microsoft.com/office/powerpoint/2010/main" val="2009792350"/>
+        <p14:creationId xmlns:p14="http://schemas.microsoft.com/office/powerpoint/2010/main" val="1409793376"/>
       </p:ext>
     </p:extLst>
   </p:cSld>
@@ -7600,6 +8120,13 @@
     <a:masterClrMapping/>
   </p:clrMapOvr>
   <p:transition advClick="0"/>
+  <p:timing>
+    <p:tnLst>
+      <p:par>
+        <p:cTn id="1" dur="indefinite" restart="never" nodeType="tmRoot"/>
+      </p:par>
+    </p:tnLst>
+  </p:timing>
 </p:sld>
 </file>
 
@@ -7622,62 +8149,107 @@
       </p:grpSpPr>
       <p:sp>
         <p:nvSpPr>
-          <p:cNvPr id="5" name="Subtitle 4"/>
+          <p:cNvPr id="2" name="Заголовок 1"/>
           <p:cNvSpPr>
             <a:spLocks noGrp="1"/>
           </p:cNvSpPr>
           <p:nvPr>
-            <p:ph type="subTitle" idx="4294967295"/>
+            <p:ph type="title"/>
+          </p:nvPr>
+        </p:nvSpPr>
+        <p:spPr/>
+        <p:txBody>
+          <a:bodyPr/>
+          <a:lstStyle/>
+          <a:p>
+            <a:r>
+              <a:rPr lang="ru-RU" dirty="0" smtClean="0"/>
+              <a:t>Результаты</a:t>
+            </a:r>
+            <a:endParaRPr lang="ru-RU" dirty="0"/>
+          </a:p>
+        </p:txBody>
+      </p:sp>
+      <p:sp>
+        <p:nvSpPr>
+          <p:cNvPr id="3" name="Объект 2"/>
+          <p:cNvSpPr>
+            <a:spLocks noGrp="1"/>
+          </p:cNvSpPr>
+          <p:nvPr>
+            <p:ph sz="quarter" idx="14"/>
           </p:nvPr>
         </p:nvSpPr>
         <p:spPr>
           <a:xfrm>
-            <a:off x="1402364" y="3065760"/>
-            <a:ext cx="6662460" cy="1398693"/>
+            <a:off x="1331096" y="1052930"/>
+            <a:ext cx="7993110" cy="3084162"/>
           </a:xfrm>
-          <a:prstGeom prst="rect">
-            <a:avLst/>
-          </a:prstGeom>
         </p:spPr>
         <p:txBody>
           <a:bodyPr/>
           <a:lstStyle/>
           <a:p>
             <a:r>
-              <a:rPr lang="en-US" dirty="0"/>
-              <a:t>Dream.doomwalker@yandex.ru</a:t>
-            </a:r>
+              <a:rPr lang="ru-RU" dirty="0" smtClean="0"/>
+              <a:t>С помощью </a:t>
+            </a:r>
+            <a:r>
+              <a:rPr lang="en-US" dirty="0" smtClean="0"/>
+              <a:t>flex </a:t>
+            </a:r>
+            <a:r>
+              <a:rPr lang="ru-RU" dirty="0" smtClean="0"/>
+              <a:t>и </a:t>
+            </a:r>
+            <a:r>
+              <a:rPr lang="en-US" dirty="0" smtClean="0"/>
+              <a:t>bison </a:t>
+            </a:r>
+            <a:r>
+              <a:rPr lang="ru-RU" dirty="0" smtClean="0"/>
+              <a:t>был написан лексический и синтаксический анализатор</a:t>
+            </a:r>
+          </a:p>
+          <a:p>
+            <a:r>
+              <a:rPr lang="ru-RU" dirty="0" smtClean="0"/>
+              <a:t>С помощью языка </a:t>
+            </a:r>
+            <a:r>
+              <a:rPr lang="en-US" dirty="0" smtClean="0"/>
+              <a:t>C++ </a:t>
+            </a:r>
+            <a:r>
+              <a:rPr lang="ru-RU" dirty="0" smtClean="0"/>
+              <a:t>была реализована структура семантического дерева</a:t>
+            </a:r>
+          </a:p>
+          <a:p>
+            <a:r>
+              <a:rPr lang="ru-RU" dirty="0" smtClean="0"/>
+              <a:t>С помощью шаблона проектирования Посетитель был реализован интерпретатор семантического дерева </a:t>
+            </a:r>
+          </a:p>
+          <a:p>
+            <a:r>
+              <a:rPr lang="ru-RU" dirty="0" smtClean="0"/>
+              <a:t>Полученная программа протестирована на различных примерах, написанных на новом языке</a:t>
+            </a:r>
+          </a:p>
+          <a:p>
             <a:endParaRPr lang="ru-RU" dirty="0"/>
           </a:p>
-          <a:p>
-            <a:r>
-              <a:rPr lang="en-US" dirty="0"/>
-              <a:t>mace_window@mail.ru</a:t>
-            </a:r>
-          </a:p>
-          <a:p>
-            <a:r>
-              <a:rPr lang="en-US" dirty="0" smtClean="0"/>
-              <a:t>www.ordandrew1@gmail.com</a:t>
-            </a:r>
-            <a:endParaRPr lang="en-US" dirty="0"/>
-          </a:p>
-          <a:p>
-            <a:endParaRPr lang="ru-RU" b="1" dirty="0"/>
-          </a:p>
-          <a:p>
-            <a:endParaRPr lang="ru-RU" dirty="0"/>
-          </a:p>
-        </p:txBody>
-      </p:sp>
-      <p:sp>
-        <p:nvSpPr>
-          <p:cNvPr id="4" name="Title 3"/>
+        </p:txBody>
+      </p:sp>
+      <p:sp>
+        <p:nvSpPr>
+          <p:cNvPr id="4" name="Текст 3"/>
           <p:cNvSpPr>
             <a:spLocks noGrp="1"/>
           </p:cNvSpPr>
           <p:nvPr>
-            <p:ph type="ctrTitle"/>
+            <p:ph type="body" sz="quarter" idx="19"/>
           </p:nvPr>
         </p:nvSpPr>
         <p:spPr/>
@@ -7685,23 +8257,21 @@
           <a:bodyPr/>
           <a:lstStyle/>
           <a:p>
-            <a:r>
-              <a:rPr lang="ru-RU" dirty="0"/>
-              <a:t>Спасибо за внимание!</a:t>
-            </a:r>
+            <a:endParaRPr lang="ru-RU"/>
           </a:p>
         </p:txBody>
       </p:sp>
     </p:spTree>
     <p:extLst>
       <p:ext uri="{BB962C8B-B14F-4D97-AF65-F5344CB8AC3E}">
-        <p14:creationId xmlns:p14="http://schemas.microsoft.com/office/powerpoint/2010/main" val="183060879"/>
+        <p14:creationId xmlns:p14="http://schemas.microsoft.com/office/powerpoint/2010/main" val="442518111"/>
       </p:ext>
     </p:extLst>
   </p:cSld>
   <p:clrMapOvr>
     <a:masterClrMapping/>
   </p:clrMapOvr>
+  <p:transition advClick="0"/>
   <p:timing>
     <p:tnLst>
       <p:par>
@@ -7731,7 +8301,7 @@
       </p:grpSpPr>
       <p:sp>
         <p:nvSpPr>
-          <p:cNvPr id="4" name="Title 3"/>
+          <p:cNvPr id="2" name="Заголовок 1"/>
           <p:cNvSpPr>
             <a:spLocks noGrp="1"/>
           </p:cNvSpPr>
@@ -7741,86 +8311,76 @@
         </p:nvSpPr>
         <p:spPr/>
         <p:txBody>
-          <a:bodyPr>
-            <a:normAutofit/>
-          </a:bodyPr>
+          <a:bodyPr/>
           <a:lstStyle/>
           <a:p>
             <a:r>
               <a:rPr lang="ru-RU" dirty="0"/>
-              <a:t>Презентация должна содержать:</a:t>
-            </a:r>
-          </a:p>
-        </p:txBody>
-      </p:sp>
-      <p:sp>
-        <p:nvSpPr>
-          <p:cNvPr id="5" name="Content Placeholder 4"/>
+              <a:t>Выводы и дальнейшие планы</a:t>
+            </a:r>
+          </a:p>
+        </p:txBody>
+      </p:sp>
+      <p:sp>
+        <p:nvSpPr>
+          <p:cNvPr id="3" name="Объект 2"/>
           <p:cNvSpPr>
             <a:spLocks noGrp="1"/>
           </p:cNvSpPr>
           <p:nvPr>
-            <p:ph sz="quarter" idx="4294967295"/>
+            <p:ph sz="quarter" idx="14"/>
           </p:nvPr>
         </p:nvSpPr>
-        <p:spPr>
-          <a:xfrm>
-            <a:off x="1598613" y="1265238"/>
-            <a:ext cx="9058275" cy="3995737"/>
-          </a:xfrm>
-          <a:prstGeom prst="rect">
-            <a:avLst/>
-          </a:prstGeom>
-        </p:spPr>
-        <p:txBody>
-          <a:bodyPr>
-            <a:normAutofit/>
-          </a:bodyPr>
+        <p:spPr/>
+        <p:txBody>
+          <a:bodyPr/>
           <a:lstStyle/>
           <a:p>
-            <a:pPr lvl="0"/>
             <a:r>
               <a:rPr lang="ru-RU" dirty="0"/>
-              <a:t>Основную идею проекта = суть</a:t>
-            </a:r>
-          </a:p>
-          <a:p>
-            <a:pPr lvl="0"/>
+              <a:t>Реализация языка - это не просто!</a:t>
+            </a:r>
+          </a:p>
+          <a:p>
             <a:r>
               <a:rPr lang="ru-RU" dirty="0"/>
-              <a:t>Анализ проблемной ситуации = актуальность, цель</a:t>
-            </a:r>
-          </a:p>
-          <a:p>
-            <a:pPr lvl="0"/>
-            <a:r>
-              <a:rPr lang="ru-RU" dirty="0"/>
-              <a:t>Постановка задачи проекта</a:t>
-            </a:r>
-          </a:p>
-          <a:p>
-            <a:pPr lvl="0"/>
-            <a:r>
-              <a:rPr lang="ru-RU" dirty="0"/>
-              <a:t>Описание результата, который вы получили</a:t>
-            </a:r>
-          </a:p>
-          <a:p>
-            <a:pPr lvl="0"/>
-            <a:r>
-              <a:rPr lang="ru-RU" dirty="0"/>
-              <a:t>Заключительный слайд – приобретенный опыт, планы на будущее проекта (если есть)</a:t>
+              <a:t>Развитие языка с реконструкцией</a:t>
             </a:r>
           </a:p>
           <a:p>
             <a:endParaRPr lang="ru-RU" dirty="0"/>
+          </a:p>
+        </p:txBody>
+      </p:sp>
+      <p:sp>
+        <p:nvSpPr>
+          <p:cNvPr id="4" name="Текст 3"/>
+          <p:cNvSpPr>
+            <a:spLocks noGrp="1"/>
+          </p:cNvSpPr>
+          <p:nvPr>
+            <p:ph type="body" sz="quarter" idx="19"/>
+          </p:nvPr>
+        </p:nvSpPr>
+        <p:spPr/>
+        <p:txBody>
+          <a:bodyPr/>
+          <a:lstStyle/>
+          <a:p>
+            <a:r>
+              <a:rPr lang="en-US" sz="2000" dirty="0">
+                <a:hlinkClick r:id="rId3"/>
+              </a:rPr>
+              <a:t>https://github.com/CompilerBootCamp/ProjectD</a:t>
+            </a:r>
+            <a:endParaRPr lang="ru-RU" sz="2000" dirty="0"/>
           </a:p>
         </p:txBody>
       </p:sp>
     </p:spTree>
     <p:extLst>
       <p:ext uri="{BB962C8B-B14F-4D97-AF65-F5344CB8AC3E}">
-        <p14:creationId xmlns:p14="http://schemas.microsoft.com/office/powerpoint/2010/main" val="1610682097"/>
+        <p14:creationId xmlns:p14="http://schemas.microsoft.com/office/powerpoint/2010/main" val="2009792350"/>
       </p:ext>
     </p:extLst>
   </p:cSld>
@@ -8614,15 +9174,15 @@
 <file path=customXml/itemProps2.xml><?xml version="1.0" encoding="utf-8"?>
 <ds:datastoreItem xmlns:ds="http://schemas.openxmlformats.org/officeDocument/2006/customXml" ds:itemID="{CE23D77C-998C-4889-AAE9-7A3C0CDCEE56}">
   <ds:schemaRefs>
-    <ds:schemaRef ds:uri="http://schemas.microsoft.com/office/2006/documentManagement/types"/>
-    <ds:schemaRef ds:uri="http://schemas.openxmlformats.org/package/2006/metadata/core-properties"/>
-    <ds:schemaRef ds:uri="http://schemas.microsoft.com/office/infopath/2007/PartnerControls"/>
+    <ds:schemaRef ds:uri="2197e0b2-cf37-488d-88db-d557befb65e6"/>
     <ds:schemaRef ds:uri="http://schemas.microsoft.com/office/2006/metadata/properties"/>
     <ds:schemaRef ds:uri="http://www.w3.org/XML/1998/namespace"/>
+    <ds:schemaRef ds:uri="http://schemas.microsoft.com/office/2006/documentManagement/types"/>
     <ds:schemaRef ds:uri="http://purl.org/dc/elements/1.1/"/>
-    <ds:schemaRef ds:uri="2197e0b2-cf37-488d-88db-d557befb65e6"/>
+    <ds:schemaRef ds:uri="http://purl.org/dc/terms/"/>
+    <ds:schemaRef ds:uri="http://schemas.microsoft.com/office/infopath/2007/PartnerControls"/>
+    <ds:schemaRef ds:uri="http://schemas.openxmlformats.org/package/2006/metadata/core-properties"/>
     <ds:schemaRef ds:uri="http://purl.org/dc/dcmitype/"/>
-    <ds:schemaRef ds:uri="http://purl.org/dc/terms/"/>
   </ds:schemaRefs>
 </ds:datastoreItem>
 </file>
